--- a/Working/HW7_Farm/Conceptual models.pptx
+++ b/Working/HW7_Farm/Conceptual models.pptx
@@ -110,6 +110,11 @@
       </a:defRPr>
     </a:lvl9pPr>
   </p:defaultTextStyle>
+  <p:extLst>
+    <p:ext uri="{EFAFB233-063F-42B5-8137-9DF3F51BA10A}">
+      <p15:sldGuideLst xmlns:p15="http://schemas.microsoft.com/office/powerpoint/2012/main"/>
+    </p:ext>
+  </p:extLst>
 </p:presentation>
 </file>
 
@@ -260,7 +265,7 @@
           <a:p>
             <a:fld id="{A37342C5-DDA6-4135-AD71-D40D743475C9}" type="datetimeFigureOut">
               <a:rPr lang="en-US" smtClean="0"/>
-              <a:t>3/14/2022</a:t>
+              <a:t>3/15/2022</a:t>
             </a:fld>
             <a:endParaRPr lang="en-US"/>
           </a:p>
@@ -458,7 +463,7 @@
           <a:p>
             <a:fld id="{A37342C5-DDA6-4135-AD71-D40D743475C9}" type="datetimeFigureOut">
               <a:rPr lang="en-US" smtClean="0"/>
-              <a:t>3/14/2022</a:t>
+              <a:t>3/15/2022</a:t>
             </a:fld>
             <a:endParaRPr lang="en-US"/>
           </a:p>
@@ -666,7 +671,7 @@
           <a:p>
             <a:fld id="{A37342C5-DDA6-4135-AD71-D40D743475C9}" type="datetimeFigureOut">
               <a:rPr lang="en-US" smtClean="0"/>
-              <a:t>3/14/2022</a:t>
+              <a:t>3/15/2022</a:t>
             </a:fld>
             <a:endParaRPr lang="en-US"/>
           </a:p>
@@ -864,7 +869,7 @@
           <a:p>
             <a:fld id="{A37342C5-DDA6-4135-AD71-D40D743475C9}" type="datetimeFigureOut">
               <a:rPr lang="en-US" smtClean="0"/>
-              <a:t>3/14/2022</a:t>
+              <a:t>3/15/2022</a:t>
             </a:fld>
             <a:endParaRPr lang="en-US"/>
           </a:p>
@@ -1139,7 +1144,7 @@
           <a:p>
             <a:fld id="{A37342C5-DDA6-4135-AD71-D40D743475C9}" type="datetimeFigureOut">
               <a:rPr lang="en-US" smtClean="0"/>
-              <a:t>3/14/2022</a:t>
+              <a:t>3/15/2022</a:t>
             </a:fld>
             <a:endParaRPr lang="en-US"/>
           </a:p>
@@ -1404,7 +1409,7 @@
           <a:p>
             <a:fld id="{A37342C5-DDA6-4135-AD71-D40D743475C9}" type="datetimeFigureOut">
               <a:rPr lang="en-US" smtClean="0"/>
-              <a:t>3/14/2022</a:t>
+              <a:t>3/15/2022</a:t>
             </a:fld>
             <a:endParaRPr lang="en-US"/>
           </a:p>
@@ -1816,7 +1821,7 @@
           <a:p>
             <a:fld id="{A37342C5-DDA6-4135-AD71-D40D743475C9}" type="datetimeFigureOut">
               <a:rPr lang="en-US" smtClean="0"/>
-              <a:t>3/14/2022</a:t>
+              <a:t>3/15/2022</a:t>
             </a:fld>
             <a:endParaRPr lang="en-US"/>
           </a:p>
@@ -1957,7 +1962,7 @@
           <a:p>
             <a:fld id="{A37342C5-DDA6-4135-AD71-D40D743475C9}" type="datetimeFigureOut">
               <a:rPr lang="en-US" smtClean="0"/>
-              <a:t>3/14/2022</a:t>
+              <a:t>3/15/2022</a:t>
             </a:fld>
             <a:endParaRPr lang="en-US"/>
           </a:p>
@@ -2070,7 +2075,7 @@
           <a:p>
             <a:fld id="{A37342C5-DDA6-4135-AD71-D40D743475C9}" type="datetimeFigureOut">
               <a:rPr lang="en-US" smtClean="0"/>
-              <a:t>3/14/2022</a:t>
+              <a:t>3/15/2022</a:t>
             </a:fld>
             <a:endParaRPr lang="en-US"/>
           </a:p>
@@ -2381,7 +2386,7 @@
           <a:p>
             <a:fld id="{A37342C5-DDA6-4135-AD71-D40D743475C9}" type="datetimeFigureOut">
               <a:rPr lang="en-US" smtClean="0"/>
-              <a:t>3/14/2022</a:t>
+              <a:t>3/15/2022</a:t>
             </a:fld>
             <a:endParaRPr lang="en-US"/>
           </a:p>
@@ -2669,7 +2674,7 @@
           <a:p>
             <a:fld id="{A37342C5-DDA6-4135-AD71-D40D743475C9}" type="datetimeFigureOut">
               <a:rPr lang="en-US" smtClean="0"/>
-              <a:t>3/14/2022</a:t>
+              <a:t>3/15/2022</a:t>
             </a:fld>
             <a:endParaRPr lang="en-US"/>
           </a:p>
@@ -2910,7 +2915,7 @@
           <a:p>
             <a:fld id="{A37342C5-DDA6-4135-AD71-D40D743475C9}" type="datetimeFigureOut">
               <a:rPr lang="en-US" smtClean="0"/>
-              <a:t>3/14/2022</a:t>
+              <a:t>3/15/2022</a:t>
             </a:fld>
             <a:endParaRPr lang="en-US"/>
           </a:p>
@@ -8836,7 +8841,7 @@
         <p:spPr>
           <a:xfrm>
             <a:off x="8949471" y="2493309"/>
-            <a:ext cx="1781666" cy="523220"/>
+            <a:ext cx="1781666" cy="1384995"/>
           </a:xfrm>
           <a:prstGeom prst="rect">
             <a:avLst/>
@@ -8866,6 +8871,32 @@
               <a:rPr lang="en-US" sz="1400" dirty="0"/>
               <a:t>Constant head = 51 m</a:t>
             </a:r>
+          </a:p>
+          <a:p>
+            <a:endParaRPr lang="en-US" sz="1400" dirty="0"/>
+          </a:p>
+          <a:p>
+            <a:r>
+              <a:rPr lang="en-US" sz="1400" dirty="0">
+                <a:highlight>
+                  <a:srgbClr val="FFFF00"/>
+                </a:highlight>
+              </a:rPr>
+              <a:t>Boundary head should actually be thickness minus </a:t>
+            </a:r>
+            <a:r>
+              <a:rPr lang="en-US" sz="1400" dirty="0" err="1">
+                <a:highlight>
+                  <a:srgbClr val="FFFF00"/>
+                </a:highlight>
+              </a:rPr>
+              <a:t>wtd</a:t>
+            </a:r>
+            <a:endParaRPr lang="en-US" sz="1400" dirty="0">
+              <a:highlight>
+                <a:srgbClr val="FFFF00"/>
+              </a:highlight>
+            </a:endParaRPr>
           </a:p>
         </p:txBody>
       </p:sp>
